--- a/meetup011/20260218-MGUG-AIAgentGovernance.pptx
+++ b/meetup011/20260218-MGUG-AIAgentGovernance.pptx
@@ -2,18 +2,19 @@
 <file path=ppt/presentation.xml><?xml version="1.0" encoding="utf-8"?>
 <p:presentation xmlns:a="http://schemas.openxmlformats.org/drawingml/2006/main" xmlns:r="http://schemas.openxmlformats.org/officeDocument/2006/relationships" xmlns:p="http://schemas.openxmlformats.org/presentationml/2006/main" saveSubsetFonts="1">
   <p:sldMasterIdLst>
-    <p:sldMasterId id="2147483696" r:id="rId18"/>
+    <p:sldMasterId id="2147483696" r:id="rId20"/>
   </p:sldMasterIdLst>
   <p:notesMasterIdLst>
-    <p:notesMasterId r:id="rId25"/>
+    <p:notesMasterId r:id="rId28"/>
   </p:notesMasterIdLst>
   <p:sldIdLst>
-    <p:sldId id="2142533867" r:id="rId19"/>
-    <p:sldId id="2142533868" r:id="rId20"/>
-    <p:sldId id="2142533873" r:id="rId21"/>
-    <p:sldId id="2142533876" r:id="rId22"/>
-    <p:sldId id="2142533877" r:id="rId23"/>
-    <p:sldId id="2142533869" r:id="rId24"/>
+    <p:sldId id="2142533867" r:id="rId21"/>
+    <p:sldId id="2142533868" r:id="rId22"/>
+    <p:sldId id="2142533878" r:id="rId23"/>
+    <p:sldId id="2142533873" r:id="rId24"/>
+    <p:sldId id="2142533876" r:id="rId25"/>
+    <p:sldId id="2142533877" r:id="rId26"/>
+    <p:sldId id="2142533869" r:id="rId27"/>
   </p:sldIdLst>
   <p:sldSz cx="12192000" cy="6858000"/>
   <p:notesSz cx="6858000" cy="9144000"/>
@@ -135,12 +136,52 @@
 <p1510:revInfo xmlns:a="http://schemas.openxmlformats.org/drawingml/2006/main" xmlns:r="http://schemas.openxmlformats.org/officeDocument/2006/relationships" xmlns:p1510="http://schemas.microsoft.com/office/powerpoint/2015/10/main">
   <p1510:revLst>
     <p1510:client id="{4F1358E0-110A-3B4F-A86D-F27F4D7F0F70}" v="9" dt="2026-02-11T11:19:27.811"/>
+    <p1510:client id="{E587C502-F652-8043-A0E5-95921D5F0968}" v="5" dt="2026-02-11T11:54:42.688"/>
   </p1510:revLst>
 </p1510:revInfo>
 </file>
 
 <file path=ppt/changesInfos/changesInfo1.xml><?xml version="1.0" encoding="utf-8"?>
 <pc:chgInfo xmlns:a="http://schemas.openxmlformats.org/drawingml/2006/main" xmlns:r="http://schemas.openxmlformats.org/officeDocument/2006/relationships" xmlns:ac="http://schemas.microsoft.com/office/drawing/2013/main/command" xmlns:pc="http://schemas.microsoft.com/office/powerpoint/2013/main/command">
+  <pc:docChgLst>
+    <pc:chgData name="Glen Nygaard" userId="96c9ae8b-3cd6-482e-9b3d-39ef2d614de3" providerId="ADAL" clId="{014844F4-0BBE-595A-BF51-C60733D51A0F}"/>
+    <pc:docChg chg="addSld modSld">
+      <pc:chgData name="Glen Nygaard" userId="96c9ae8b-3cd6-482e-9b3d-39ef2d614de3" providerId="ADAL" clId="{014844F4-0BBE-595A-BF51-C60733D51A0F}" dt="2026-02-11T11:54:42.688" v="7" actId="14826"/>
+      <pc:docMkLst>
+        <pc:docMk/>
+      </pc:docMkLst>
+      <pc:sldChg chg="addSp modSp mod">
+        <pc:chgData name="Glen Nygaard" userId="96c9ae8b-3cd6-482e-9b3d-39ef2d614de3" providerId="ADAL" clId="{014844F4-0BBE-595A-BF51-C60733D51A0F}" dt="2026-02-11T11:54:27.456" v="5" actId="1076"/>
+        <pc:sldMkLst>
+          <pc:docMk/>
+          <pc:sldMk cId="4048167914" sldId="2142533868"/>
+        </pc:sldMkLst>
+        <pc:picChg chg="add mod">
+          <ac:chgData name="Glen Nygaard" userId="96c9ae8b-3cd6-482e-9b3d-39ef2d614de3" providerId="ADAL" clId="{014844F4-0BBE-595A-BF51-C60733D51A0F}" dt="2026-02-11T11:54:27.456" v="5" actId="1076"/>
+          <ac:picMkLst>
+            <pc:docMk/>
+            <pc:sldMk cId="4048167914" sldId="2142533868"/>
+            <ac:picMk id="3" creationId="{CD983C92-F635-71DE-1A98-6AEF64155467}"/>
+          </ac:picMkLst>
+        </pc:picChg>
+      </pc:sldChg>
+      <pc:sldChg chg="modSp add">
+        <pc:chgData name="Glen Nygaard" userId="96c9ae8b-3cd6-482e-9b3d-39ef2d614de3" providerId="ADAL" clId="{014844F4-0BBE-595A-BF51-C60733D51A0F}" dt="2026-02-11T11:54:42.688" v="7" actId="14826"/>
+        <pc:sldMkLst>
+          <pc:docMk/>
+          <pc:sldMk cId="276417455" sldId="2142533878"/>
+        </pc:sldMkLst>
+        <pc:picChg chg="mod">
+          <ac:chgData name="Glen Nygaard" userId="96c9ae8b-3cd6-482e-9b3d-39ef2d614de3" providerId="ADAL" clId="{014844F4-0BBE-595A-BF51-C60733D51A0F}" dt="2026-02-11T11:54:42.688" v="7" actId="14826"/>
+          <ac:picMkLst>
+            <pc:docMk/>
+            <pc:sldMk cId="276417455" sldId="2142533878"/>
+            <ac:picMk id="3" creationId="{8847A41B-FB50-2B55-48E5-B8E242D958DA}"/>
+          </ac:picMkLst>
+        </pc:picChg>
+      </pc:sldChg>
+    </pc:docChg>
+  </pc:docChgLst>
   <pc:docChgLst>
     <pc:chgData name="Glen Nygaard" userId="e0a45168-fe2f-4db6-a1d5-a40171154990" providerId="ADAL" clId="{014844F4-0BBE-595A-BF51-C60733D51A0F}"/>
     <pc:docChg chg="custSel delSld modSld">
@@ -1254,6 +1295,42 @@
           <a:chExt cx="0" cy="0"/>
         </a:xfrm>
       </p:grpSpPr>
+      <p:pic>
+        <p:nvPicPr>
+          <p:cNvPr id="3" name="Picture 2" descr="A screenshot of a computer&#10;&#10;AI-generated content may be incorrect.">
+            <a:extLst>
+              <a:ext uri="{FF2B5EF4-FFF2-40B4-BE49-F238E27FC236}">
+                <a16:creationId xmlns:a16="http://schemas.microsoft.com/office/drawing/2014/main" id="{CD983C92-F635-71DE-1A98-6AEF64155467}"/>
+              </a:ext>
+            </a:extLst>
+          </p:cNvPr>
+          <p:cNvPicPr>
+            <a:picLocks noChangeAspect="1"/>
+          </p:cNvPicPr>
+          <p:nvPr/>
+        </p:nvPicPr>
+        <p:blipFill>
+          <a:blip r:embed="rId4">
+            <a:extLst>
+              <a:ext uri="{28A0092B-C50C-407E-A947-70E740481C1C}">
+                <a14:useLocalDpi xmlns:a14="http://schemas.microsoft.com/office/drawing/2010/main" val="0"/>
+              </a:ext>
+            </a:extLst>
+          </a:blip>
+          <a:stretch>
+            <a:fillRect/>
+          </a:stretch>
+        </p:blipFill>
+        <p:spPr>
+          <a:xfrm>
+            <a:off x="1123782" y="809488"/>
+            <a:ext cx="9772818" cy="4700975"/>
+          </a:xfrm>
+          <a:prstGeom prst="rect">
+            <a:avLst/>
+          </a:prstGeom>
+        </p:spPr>
+      </p:pic>
     </p:spTree>
     <p:custDataLst>
       <p:custData r:id="rId1"/>
@@ -1272,6 +1349,89 @@
 </file>
 
 <file path=ppt/slides/slide3.xml><?xml version="1.0" encoding="utf-8"?>
+<p:sld xmlns:a="http://schemas.openxmlformats.org/drawingml/2006/main" xmlns:r="http://schemas.openxmlformats.org/officeDocument/2006/relationships" xmlns:p="http://schemas.openxmlformats.org/presentationml/2006/main">
+  <p:cSld>
+    <p:bg>
+      <p:bgPr>
+        <a:solidFill>
+          <a:schemeClr val="bg1"/>
+        </a:solidFill>
+        <a:effectLst/>
+      </p:bgPr>
+    </p:bg>
+    <p:spTree>
+      <p:nvGrpSpPr>
+        <p:cNvPr id="1" name="">
+          <a:extLst>
+            <a:ext uri="{FF2B5EF4-FFF2-40B4-BE49-F238E27FC236}">
+              <a16:creationId xmlns:a16="http://schemas.microsoft.com/office/drawing/2014/main" id="{97BDE7F4-7DA3-40FC-F579-E8AAA79DF6C4}"/>
+            </a:ext>
+          </a:extLst>
+        </p:cNvPr>
+        <p:cNvGrpSpPr/>
+        <p:nvPr/>
+      </p:nvGrpSpPr>
+      <p:grpSpPr>
+        <a:xfrm>
+          <a:off x="0" y="0"/>
+          <a:ext cx="0" cy="0"/>
+          <a:chOff x="0" y="0"/>
+          <a:chExt cx="0" cy="0"/>
+        </a:xfrm>
+      </p:grpSpPr>
+      <p:pic>
+        <p:nvPicPr>
+          <p:cNvPr id="3" name="Picture 2">
+            <a:extLst>
+              <a:ext uri="{FF2B5EF4-FFF2-40B4-BE49-F238E27FC236}">
+                <a16:creationId xmlns:a16="http://schemas.microsoft.com/office/drawing/2014/main" id="{8847A41B-FB50-2B55-48E5-B8E242D958DA}"/>
+              </a:ext>
+            </a:extLst>
+          </p:cNvPr>
+          <p:cNvPicPr>
+            <a:picLocks noChangeAspect="1"/>
+          </p:cNvPicPr>
+          <p:nvPr/>
+        </p:nvPicPr>
+        <p:blipFill>
+          <a:blip r:embed="rId4">
+            <a:extLst>
+              <a:ext uri="{28A0092B-C50C-407E-A947-70E740481C1C}">
+                <a14:useLocalDpi xmlns:a14="http://schemas.microsoft.com/office/drawing/2010/main" val="0"/>
+              </a:ext>
+            </a:extLst>
+          </a:blip>
+          <a:srcRect/>
+          <a:stretch/>
+        </p:blipFill>
+        <p:spPr>
+          <a:xfrm>
+            <a:off x="1805190" y="809488"/>
+            <a:ext cx="8410001" cy="4700975"/>
+          </a:xfrm>
+          <a:prstGeom prst="rect">
+            <a:avLst/>
+          </a:prstGeom>
+        </p:spPr>
+      </p:pic>
+    </p:spTree>
+    <p:custDataLst>
+      <p:custData r:id="rId1"/>
+      <p:custData r:id="rId2"/>
+    </p:custDataLst>
+    <p:extLst>
+      <p:ext uri="{BB962C8B-B14F-4D97-AF65-F5344CB8AC3E}">
+        <p14:creationId xmlns:p14="http://schemas.microsoft.com/office/powerpoint/2010/main" val="276417455"/>
+      </p:ext>
+    </p:extLst>
+  </p:cSld>
+  <p:clrMapOvr>
+    <a:masterClrMapping/>
+  </p:clrMapOvr>
+</p:sld>
+</file>
+
+<file path=ppt/slides/slide4.xml><?xml version="1.0" encoding="utf-8"?>
 <p:sld xmlns:a="http://schemas.openxmlformats.org/drawingml/2006/main" xmlns:r="http://schemas.openxmlformats.org/officeDocument/2006/relationships" xmlns:p="http://schemas.openxmlformats.org/presentationml/2006/main">
   <p:cSld>
     <p:bg>
@@ -1353,7 +1513,7 @@
 </p:sld>
 </file>
 
-<file path=ppt/slides/slide4.xml><?xml version="1.0" encoding="utf-8"?>
+<file path=ppt/slides/slide5.xml><?xml version="1.0" encoding="utf-8"?>
 <p:sld xmlns:a="http://schemas.openxmlformats.org/drawingml/2006/main" xmlns:r="http://schemas.openxmlformats.org/officeDocument/2006/relationships" xmlns:p="http://schemas.openxmlformats.org/presentationml/2006/main">
   <p:cSld>
     <p:bg>
@@ -1453,7 +1613,7 @@
 </p:sld>
 </file>
 
-<file path=ppt/slides/slide5.xml><?xml version="1.0" encoding="utf-8"?>
+<file path=ppt/slides/slide6.xml><?xml version="1.0" encoding="utf-8"?>
 <p:sld xmlns:a="http://schemas.openxmlformats.org/drawingml/2006/main" xmlns:r="http://schemas.openxmlformats.org/officeDocument/2006/relationships" xmlns:p="http://schemas.openxmlformats.org/presentationml/2006/main">
   <p:cSld>
     <p:bg>
@@ -1663,7 +1823,7 @@
 </p:sld>
 </file>
 
-<file path=ppt/slides/slide6.xml><?xml version="1.0" encoding="utf-8"?>
+<file path=ppt/slides/slide7.xml><?xml version="1.0" encoding="utf-8"?>
 <p:sld xmlns:a="http://schemas.openxmlformats.org/drawingml/2006/main" xmlns:r="http://schemas.openxmlformats.org/officeDocument/2006/relationships" xmlns:p="http://schemas.openxmlformats.org/presentationml/2006/main">
   <p:cSld>
     <p:bg>
@@ -2175,6 +2335,54 @@
 </file>
 
 <file path=customXml/item1.xml><?xml version="1.0" encoding="utf-8"?>
+<TemplafyFormConfiguration><![CDATA[{"formFields":[],"formDataEntries":[]}]]></TemplafyFormConfiguration>
+</file>
+
+<file path=customXml/item10.xml><?xml version="1.0" encoding="utf-8"?>
+<TemplafySlideTemplateConfiguration><![CDATA[{"slideVersion":1,"isValidatorEnabled":false,"isLocked":false,"elementsMetadata":[],"slideId":"638254555629339804","enableDocumentContentUpdater":false,"version":"2.0"}]]></TemplafySlideTemplateConfiguration>
+</file>
+
+<file path=customXml/item11.xml><?xml version="1.0" encoding="utf-8"?>
+<TemplafySlideFormConfiguration><![CDATA[{"formFields":[],"formDataEntries":[]}]]></TemplafySlideFormConfiguration>
+</file>
+
+<file path=customXml/item12.xml><?xml version="1.0" encoding="utf-8"?>
+<TemplafySlideFormConfiguration><![CDATA[{"formFields":[],"formDataEntries":[]}]]></TemplafySlideFormConfiguration>
+</file>
+
+<file path=customXml/item13.xml><?xml version="1.0" encoding="utf-8"?>
+<TemplafySlideTemplateConfiguration><![CDATA[{"slideVersion":1,"isValidatorEnabled":false,"isLocked":false,"elementsMetadata":[],"slideId":"638254555629339804","enableDocumentContentUpdater":false,"version":"2.0"}]]></TemplafySlideTemplateConfiguration>
+</file>
+
+<file path=customXml/item14.xml><?xml version="1.0" encoding="utf-8"?>
+<TemplafySlideFormConfiguration><![CDATA[{"formFields":[],"formDataEntries":[]}]]></TemplafySlideFormConfiguration>
+</file>
+
+<file path=customXml/item15.xml><?xml version="1.0" encoding="utf-8"?>
+<TemplafySlideTemplateConfiguration><![CDATA[{"slideVersion":1,"isValidatorEnabled":false,"isLocked":false,"elementsMetadata":[],"slideId":"638254555629339804","enableDocumentContentUpdater":false,"version":"2.0"}]]></TemplafySlideTemplateConfiguration>
+</file>
+
+<file path=customXml/item16.xml><?xml version="1.0" encoding="utf-8"?>
+<TemplafySlideFormConfiguration><![CDATA[{"formFields":[],"formDataEntries":[]}]]></TemplafySlideFormConfiguration>
+</file>
+
+<file path=customXml/item17.xml><?xml version="1.0" encoding="utf-8"?>
+<TemplafySlideTemplateConfiguration><![CDATA[{"slideVersion":1,"isValidatorEnabled":false,"isLocked":false,"elementsMetadata":[],"slideId":"638254555629339804","enableDocumentContentUpdater":false,"version":"2.0"}]]></TemplafySlideTemplateConfiguration>
+</file>
+
+<file path=customXml/item18.xml><?xml version="1.0" encoding="utf-8"?>
+<TemplafySlideTemplateConfiguration><![CDATA[{"slideVersion":1,"isValidatorEnabled":false,"isLocked":false,"elementsMetadata":[],"slideId":"638254555629339804","enableDocumentContentUpdater":false,"version":"2.0"}]]></TemplafySlideTemplateConfiguration>
+</file>
+
+<file path=customXml/item19.xml><?xml version="1.0" encoding="utf-8"?>
+<TemplafySlideFormConfiguration><![CDATA[{"formFields":[],"formDataEntries":[]}]]></TemplafySlideFormConfiguration>
+</file>
+
+<file path=customXml/item2.xml><?xml version="1.0" encoding="utf-8"?>
+<TemplafyTemplateConfiguration><![CDATA[{"elementsMetadata":[],"transformationConfigurations":[],"templateName":"Atea ASA Powerpoint template - 2023-07-07","templateDescription":"","enableDocumentContentUpdater":false,"version":"2.0"}]]></TemplafyTemplateConfiguration>
+</file>
+
+<file path=customXml/item3.xml><?xml version="1.0" encoding="utf-8"?>
 <ct:contentTypeSchema xmlns:ct="http://schemas.microsoft.com/office/2006/metadata/contentType" xmlns:ma="http://schemas.microsoft.com/office/2006/metadata/properties/metaAttributes" ct:_="" ma:_="" ma:contentTypeName="Document" ma:contentTypeID="0x010100AC7E28CE42A9E349975134E058CE31E5" ma:contentTypeVersion="4" ma:contentTypeDescription="Create a new document." ma:contentTypeScope="" ma:versionID="95c0435cca702e303db4849a369ad268">
   <xsd:schema xmlns:xsd="http://www.w3.org/2001/XMLSchema" xmlns:xs="http://www.w3.org/2001/XMLSchema" xmlns:p="http://schemas.microsoft.com/office/2006/metadata/properties" xmlns:ns2="22baf2b8-c108-4b84-b260-9046d1f3cda6" targetNamespace="http://schemas.microsoft.com/office/2006/metadata/properties" ma:root="true" ma:fieldsID="43f506bd1b7b29bae56a5e9a9e7c542a" ns2:_="">
     <xsd:import namespace="22baf2b8-c108-4b84-b260-9046d1f3cda6"/>
@@ -2318,47 +2526,13 @@
 </ct:contentTypeSchema>
 </file>
 
-<file path=customXml/item10.xml><?xml version="1.0" encoding="utf-8"?>
-<TemplafySlideFormConfiguration><![CDATA[{"formFields":[],"formDataEntries":[]}]]></TemplafySlideFormConfiguration>
-</file>
-
-<file path=customXml/item11.xml><?xml version="1.0" encoding="utf-8"?>
-<TemplafySlideTemplateConfiguration><![CDATA[{"slideVersion":1,"isValidatorEnabled":false,"isLocked":false,"elementsMetadata":[],"slideId":"638254555629339804","enableDocumentContentUpdater":false,"version":"2.0"}]]></TemplafySlideTemplateConfiguration>
-</file>
-
-<file path=customXml/item12.xml><?xml version="1.0" encoding="utf-8"?>
-<TemplafySlideFormConfiguration><![CDATA[{"formFields":[],"formDataEntries":[]}]]></TemplafySlideFormConfiguration>
-</file>
-
-<file path=customXml/item13.xml><?xml version="1.0" encoding="utf-8"?>
-<TemplafySlideTemplateConfiguration><![CDATA[{"slideVersion":1,"isValidatorEnabled":false,"isLocked":false,"elementsMetadata":[],"slideId":"638254555629339804","enableDocumentContentUpdater":false,"version":"2.0"}]]></TemplafySlideTemplateConfiguration>
-</file>
-
-<file path=customXml/item14.xml><?xml version="1.0" encoding="utf-8"?>
-<TemplafySlideFormConfiguration><![CDATA[{"formFields":[],"formDataEntries":[]}]]></TemplafySlideFormConfiguration>
-</file>
-
-<file path=customXml/item15.xml><?xml version="1.0" encoding="utf-8"?>
-<TemplafySlideTemplateConfiguration><![CDATA[{"slideVersion":1,"isValidatorEnabled":false,"isLocked":false,"elementsMetadata":[],"slideId":"638254555629339804","enableDocumentContentUpdater":false,"version":"2.0"}]]></TemplafySlideTemplateConfiguration>
-</file>
-
-<file path=customXml/item16.xml><?xml version="1.0" encoding="utf-8"?>
-<TemplafySlideTemplateConfiguration><![CDATA[{"slideVersion":1,"isValidatorEnabled":false,"isLocked":false,"elementsMetadata":[],"slideId":"638254555629339804","enableDocumentContentUpdater":false,"version":"2.0"}]]></TemplafySlideTemplateConfiguration>
-</file>
-
-<file path=customXml/item17.xml><?xml version="1.0" encoding="utf-8"?>
-<TemplafySlideFormConfiguration><![CDATA[{"formFields":[],"formDataEntries":[]}]]></TemplafySlideFormConfiguration>
-</file>
-
-<file path=customXml/item2.xml><?xml version="1.0" encoding="utf-8"?>
-<TemplafyTemplateConfiguration><![CDATA[{"elementsMetadata":[],"transformationConfigurations":[],"templateName":"Atea ASA Powerpoint template - 2023-07-07","templateDescription":"","enableDocumentContentUpdater":false,"version":"2.0"}]]></TemplafyTemplateConfiguration>
-</file>
-
-<file path=customXml/item3.xml><?xml version="1.0" encoding="utf-8"?>
-<TemplafyFormConfiguration><![CDATA[{"formFields":[],"formDataEntries":[]}]]></TemplafyFormConfiguration>
-</file>
-
 <file path=customXml/item4.xml><?xml version="1.0" encoding="utf-8"?>
+<p:properties xmlns:p="http://schemas.microsoft.com/office/2006/metadata/properties" xmlns:xsi="http://www.w3.org/2001/XMLSchema-instance" xmlns:pc="http://schemas.microsoft.com/office/infopath/2007/PartnerControls">
+  <documentManagement/>
+</p:properties>
+</file>
+
+<file path=customXml/item5.xml><?xml version="1.0" encoding="utf-8"?>
 <?mso-contentType ?>
 <FormTemplates xmlns="http://schemas.microsoft.com/sharepoint/v3/contenttype/forms">
   <Display>DocumentLibraryForm</Display>
@@ -2367,12 +2541,6 @@
 </FormTemplates>
 </file>
 
-<file path=customXml/item5.xml><?xml version="1.0" encoding="utf-8"?>
-<p:properties xmlns:p="http://schemas.microsoft.com/office/2006/metadata/properties" xmlns:xsi="http://www.w3.org/2001/XMLSchema-instance" xmlns:pc="http://schemas.microsoft.com/office/infopath/2007/PartnerControls">
-  <documentManagement/>
-</p:properties>
-</file>
-
 <file path=customXml/item6.xml><?xml version="1.0" encoding="utf-8"?>
 <TemplafySlideFormConfiguration><![CDATA[{"formFields":[],"formDataEntries":[]}]]></TemplafySlideFormConfiguration>
 </file>
@@ -2390,6 +2558,78 @@
 </file>
 
 <file path=customXml/itemProps1.xml><?xml version="1.0" encoding="utf-8"?>
+<ds:datastoreItem xmlns:ds="http://schemas.openxmlformats.org/officeDocument/2006/customXml" ds:itemID="{9544985E-3BAF-4300-8DE2-36F722802345}">
+  <ds:schemaRefs/>
+</ds:datastoreItem>
+</file>
+
+<file path=customXml/itemProps10.xml><?xml version="1.0" encoding="utf-8"?>
+<ds:datastoreItem xmlns:ds="http://schemas.openxmlformats.org/officeDocument/2006/customXml" ds:itemID="{17EBD951-CB48-C54B-BE12-7EA1C665895A}">
+  <ds:schemaRefs/>
+</ds:datastoreItem>
+</file>
+
+<file path=customXml/itemProps11.xml><?xml version="1.0" encoding="utf-8"?>
+<ds:datastoreItem xmlns:ds="http://schemas.openxmlformats.org/officeDocument/2006/customXml" ds:itemID="{F4693406-A937-3045-AD75-EC3C90F2F698}">
+  <ds:schemaRefs/>
+</ds:datastoreItem>
+</file>
+
+<file path=customXml/itemProps12.xml><?xml version="1.0" encoding="utf-8"?>
+<ds:datastoreItem xmlns:ds="http://schemas.openxmlformats.org/officeDocument/2006/customXml" ds:itemID="{CB466935-F7E6-409D-8C00-8A66B302A244}">
+  <ds:schemaRefs/>
+</ds:datastoreItem>
+</file>
+
+<file path=customXml/itemProps13.xml><?xml version="1.0" encoding="utf-8"?>
+<ds:datastoreItem xmlns:ds="http://schemas.openxmlformats.org/officeDocument/2006/customXml" ds:itemID="{168ABC29-C834-41F5-B74E-52F6845218D3}">
+  <ds:schemaRefs/>
+</ds:datastoreItem>
+</file>
+
+<file path=customXml/itemProps14.xml><?xml version="1.0" encoding="utf-8"?>
+<ds:datastoreItem xmlns:ds="http://schemas.openxmlformats.org/officeDocument/2006/customXml" ds:itemID="{6B9E60F2-59A0-BA4C-951D-3A87471383DF}">
+  <ds:schemaRefs/>
+</ds:datastoreItem>
+</file>
+
+<file path=customXml/itemProps15.xml><?xml version="1.0" encoding="utf-8"?>
+<ds:datastoreItem xmlns:ds="http://schemas.openxmlformats.org/officeDocument/2006/customXml" ds:itemID="{A2E6E38A-4D15-2F4F-A5E9-5D5A48184287}">
+  <ds:schemaRefs/>
+</ds:datastoreItem>
+</file>
+
+<file path=customXml/itemProps16.xml><?xml version="1.0" encoding="utf-8"?>
+<ds:datastoreItem xmlns:ds="http://schemas.openxmlformats.org/officeDocument/2006/customXml" ds:itemID="{0141F063-C642-494C-A8B7-F5940AFE0866}">
+  <ds:schemaRefs/>
+</ds:datastoreItem>
+</file>
+
+<file path=customXml/itemProps17.xml><?xml version="1.0" encoding="utf-8"?>
+<ds:datastoreItem xmlns:ds="http://schemas.openxmlformats.org/officeDocument/2006/customXml" ds:itemID="{E3F6F5D1-593B-B741-ACED-1F0587965342}">
+  <ds:schemaRefs/>
+</ds:datastoreItem>
+</file>
+
+<file path=customXml/itemProps18.xml><?xml version="1.0" encoding="utf-8"?>
+<ds:datastoreItem xmlns:ds="http://schemas.openxmlformats.org/officeDocument/2006/customXml" ds:itemID="{B838FE29-2F86-4C82-B835-925F966A5B68}">
+  <ds:schemaRefs/>
+</ds:datastoreItem>
+</file>
+
+<file path=customXml/itemProps19.xml><?xml version="1.0" encoding="utf-8"?>
+<ds:datastoreItem xmlns:ds="http://schemas.openxmlformats.org/officeDocument/2006/customXml" ds:itemID="{C898385D-179D-4715-BA07-C5F47E6A09D5}">
+  <ds:schemaRefs/>
+</ds:datastoreItem>
+</file>
+
+<file path=customXml/itemProps2.xml><?xml version="1.0" encoding="utf-8"?>
+<ds:datastoreItem xmlns:ds="http://schemas.openxmlformats.org/officeDocument/2006/customXml" ds:itemID="{D86F5222-CE93-4FC6-B6A0-F4639CCB23B6}">
+  <ds:schemaRefs/>
+</ds:datastoreItem>
+</file>
+
+<file path=customXml/itemProps3.xml><?xml version="1.0" encoding="utf-8"?>
 <ds:datastoreItem xmlns:ds="http://schemas.openxmlformats.org/officeDocument/2006/customXml" ds:itemID="{A7018CFD-F51A-40A5-A0EE-CB4ECDB4A94C}">
   <ds:schemaRefs>
     <ds:schemaRef ds:uri="http://schemas.microsoft.com/office/2006/metadata/contentType"/>
@@ -2407,67 +2647,23 @@
 </ds:datastoreItem>
 </file>
 
-<file path=customXml/itemProps10.xml><?xml version="1.0" encoding="utf-8"?>
-<ds:datastoreItem xmlns:ds="http://schemas.openxmlformats.org/officeDocument/2006/customXml" ds:itemID="{CB466935-F7E6-409D-8C00-8A66B302A244}">
-  <ds:schemaRefs/>
+<file path=customXml/itemProps4.xml><?xml version="1.0" encoding="utf-8"?>
+<ds:datastoreItem xmlns:ds="http://schemas.openxmlformats.org/officeDocument/2006/customXml" ds:itemID="{50E6875C-C65A-4E07-BBA2-A5D0A80D1111}">
+  <ds:schemaRefs>
+    <ds:schemaRef ds:uri="http://schemas.microsoft.com/office/infopath/2007/PartnerControls"/>
+    <ds:schemaRef ds:uri="http://purl.org/dc/dcmitype/"/>
+    <ds:schemaRef ds:uri="http://www.w3.org/XML/1998/namespace"/>
+    <ds:schemaRef ds:uri="http://purl.org/dc/elements/1.1/"/>
+    <ds:schemaRef ds:uri="http://purl.org/dc/terms/"/>
+    <ds:schemaRef ds:uri="http://schemas.openxmlformats.org/package/2006/metadata/core-properties"/>
+    <ds:schemaRef ds:uri="http://schemas.microsoft.com/office/2006/documentManagement/types"/>
+    <ds:schemaRef ds:uri="22baf2b8-c108-4b84-b260-9046d1f3cda6"/>
+    <ds:schemaRef ds:uri="http://schemas.microsoft.com/office/2006/metadata/properties"/>
+  </ds:schemaRefs>
 </ds:datastoreItem>
 </file>
 
-<file path=customXml/itemProps11.xml><?xml version="1.0" encoding="utf-8"?>
-<ds:datastoreItem xmlns:ds="http://schemas.openxmlformats.org/officeDocument/2006/customXml" ds:itemID="{168ABC29-C834-41F5-B74E-52F6845218D3}">
-  <ds:schemaRefs/>
-</ds:datastoreItem>
-</file>
-
-<file path=customXml/itemProps12.xml><?xml version="1.0" encoding="utf-8"?>
-<ds:datastoreItem xmlns:ds="http://schemas.openxmlformats.org/officeDocument/2006/customXml" ds:itemID="{6B9E60F2-59A0-BA4C-951D-3A87471383DF}">
-  <ds:schemaRefs/>
-</ds:datastoreItem>
-</file>
-
-<file path=customXml/itemProps13.xml><?xml version="1.0" encoding="utf-8"?>
-<ds:datastoreItem xmlns:ds="http://schemas.openxmlformats.org/officeDocument/2006/customXml" ds:itemID="{A2E6E38A-4D15-2F4F-A5E9-5D5A48184287}">
-  <ds:schemaRefs/>
-</ds:datastoreItem>
-</file>
-
-<file path=customXml/itemProps14.xml><?xml version="1.0" encoding="utf-8"?>
-<ds:datastoreItem xmlns:ds="http://schemas.openxmlformats.org/officeDocument/2006/customXml" ds:itemID="{0141F063-C642-494C-A8B7-F5940AFE0866}">
-  <ds:schemaRefs/>
-</ds:datastoreItem>
-</file>
-
-<file path=customXml/itemProps15.xml><?xml version="1.0" encoding="utf-8"?>
-<ds:datastoreItem xmlns:ds="http://schemas.openxmlformats.org/officeDocument/2006/customXml" ds:itemID="{E3F6F5D1-593B-B741-ACED-1F0587965342}">
-  <ds:schemaRefs/>
-</ds:datastoreItem>
-</file>
-
-<file path=customXml/itemProps16.xml><?xml version="1.0" encoding="utf-8"?>
-<ds:datastoreItem xmlns:ds="http://schemas.openxmlformats.org/officeDocument/2006/customXml" ds:itemID="{B838FE29-2F86-4C82-B835-925F966A5B68}">
-  <ds:schemaRefs/>
-</ds:datastoreItem>
-</file>
-
-<file path=customXml/itemProps17.xml><?xml version="1.0" encoding="utf-8"?>
-<ds:datastoreItem xmlns:ds="http://schemas.openxmlformats.org/officeDocument/2006/customXml" ds:itemID="{C898385D-179D-4715-BA07-C5F47E6A09D5}">
-  <ds:schemaRefs/>
-</ds:datastoreItem>
-</file>
-
-<file path=customXml/itemProps2.xml><?xml version="1.0" encoding="utf-8"?>
-<ds:datastoreItem xmlns:ds="http://schemas.openxmlformats.org/officeDocument/2006/customXml" ds:itemID="{D86F5222-CE93-4FC6-B6A0-F4639CCB23B6}">
-  <ds:schemaRefs/>
-</ds:datastoreItem>
-</file>
-
-<file path=customXml/itemProps3.xml><?xml version="1.0" encoding="utf-8"?>
-<ds:datastoreItem xmlns:ds="http://schemas.openxmlformats.org/officeDocument/2006/customXml" ds:itemID="{9544985E-3BAF-4300-8DE2-36F722802345}">
-  <ds:schemaRefs/>
-</ds:datastoreItem>
-</file>
-
-<file path=customXml/itemProps4.xml><?xml version="1.0" encoding="utf-8"?>
+<file path=customXml/itemProps5.xml><?xml version="1.0" encoding="utf-8"?>
 <ds:datastoreItem xmlns:ds="http://schemas.openxmlformats.org/officeDocument/2006/customXml" ds:itemID="{3B1053CF-8F88-45CA-934B-7A7E6F885F14}">
   <ds:schemaRefs>
     <ds:schemaRef ds:uri="http://schemas.microsoft.com/sharepoint/v3/contenttype/forms"/>
@@ -2475,22 +2671,6 @@
 </ds:datastoreItem>
 </file>
 
-<file path=customXml/itemProps5.xml><?xml version="1.0" encoding="utf-8"?>
-<ds:datastoreItem xmlns:ds="http://schemas.openxmlformats.org/officeDocument/2006/customXml" ds:itemID="{50E6875C-C65A-4E07-BBA2-A5D0A80D1111}">
-  <ds:schemaRefs>
-    <ds:schemaRef ds:uri="http://purl.org/dc/terms/"/>
-    <ds:schemaRef ds:uri="http://schemas.microsoft.com/office/2006/metadata/properties"/>
-    <ds:schemaRef ds:uri="http://schemas.openxmlformats.org/package/2006/metadata/core-properties"/>
-    <ds:schemaRef ds:uri="22baf2b8-c108-4b84-b260-9046d1f3cda6"/>
-    <ds:schemaRef ds:uri="http://www.w3.org/XML/1998/namespace"/>
-    <ds:schemaRef ds:uri="http://purl.org/dc/elements/1.1/"/>
-    <ds:schemaRef ds:uri="http://schemas.microsoft.com/office/2006/documentManagement/types"/>
-    <ds:schemaRef ds:uri="http://schemas.microsoft.com/office/infopath/2007/PartnerControls"/>
-    <ds:schemaRef ds:uri="http://purl.org/dc/dcmitype/"/>
-  </ds:schemaRefs>
-</ds:datastoreItem>
-</file>
-
 <file path=customXml/itemProps6.xml><?xml version="1.0" encoding="utf-8"?>
 <ds:datastoreItem xmlns:ds="http://schemas.openxmlformats.org/officeDocument/2006/customXml" ds:itemID="{5B73485C-ED99-4F87-9EC7-328F716C248D}">
   <ds:schemaRefs/>
